--- a/DraftSlides/Lecture9.pptx
+++ b/DraftSlides/Lecture9.pptx
@@ -990,7 +990,7 @@
   <pc:docChgLst>
     <pc:chgData name="Khattab, Sherif" userId="c83b1e15-36f3-4f46-aceb-05aac24c545e" providerId="ADAL" clId="{86C989E0-91AC-42C2-9974-EED7EE88B024}"/>
     <pc:docChg chg="undo redo custSel addSld delSld modSld sldOrd">
-      <pc:chgData name="Khattab, Sherif" userId="c83b1e15-36f3-4f46-aceb-05aac24c545e" providerId="ADAL" clId="{86C989E0-91AC-42C2-9974-EED7EE88B024}" dt="2022-02-10T19:21:14.712" v="976" actId="2696"/>
+      <pc:chgData name="Khattab, Sherif" userId="c83b1e15-36f3-4f46-aceb-05aac24c545e" providerId="ADAL" clId="{86C989E0-91AC-42C2-9974-EED7EE88B024}" dt="2022-02-17T18:59:11.241" v="985" actId="20577"/>
       <pc:docMkLst>
         <pc:docMk/>
       </pc:docMkLst>
@@ -1064,12 +1064,20 @@
           <pc:sldMk cId="2736486443" sldId="379"/>
         </pc:sldMkLst>
       </pc:sldChg>
-      <pc:sldChg chg="add del">
-        <pc:chgData name="Khattab, Sherif" userId="c83b1e15-36f3-4f46-aceb-05aac24c545e" providerId="ADAL" clId="{86C989E0-91AC-42C2-9974-EED7EE88B024}" dt="2022-02-10T14:19:14.317" v="146"/>
+      <pc:sldChg chg="modSp add del mod">
+        <pc:chgData name="Khattab, Sherif" userId="c83b1e15-36f3-4f46-aceb-05aac24c545e" providerId="ADAL" clId="{86C989E0-91AC-42C2-9974-EED7EE88B024}" dt="2022-02-17T18:59:11.241" v="985" actId="20577"/>
         <pc:sldMkLst>
           <pc:docMk/>
           <pc:sldMk cId="1337868689" sldId="381"/>
         </pc:sldMkLst>
+        <pc:spChg chg="mod">
+          <ac:chgData name="Khattab, Sherif" userId="c83b1e15-36f3-4f46-aceb-05aac24c545e" providerId="ADAL" clId="{86C989E0-91AC-42C2-9974-EED7EE88B024}" dt="2022-02-17T18:59:11.241" v="985" actId="20577"/>
+          <ac:spMkLst>
+            <pc:docMk/>
+            <pc:sldMk cId="1337868689" sldId="381"/>
+            <ac:spMk id="119813" creationId="{2D0E5FEC-FE0E-9048-B247-70B668077E38}"/>
+          </ac:spMkLst>
+        </pc:spChg>
       </pc:sldChg>
       <pc:sldChg chg="modSp mod">
         <pc:chgData name="Khattab, Sherif" userId="c83b1e15-36f3-4f46-aceb-05aac24c545e" providerId="ADAL" clId="{86C989E0-91AC-42C2-9974-EED7EE88B024}" dt="2022-02-03T14:11:40.579" v="10" actId="20577"/>
@@ -39661,61 +39669,66 @@
           <a:lstStyle/>
           <a:p>
             <a:r>
-              <a:rPr lang="en-US" altLang="en-US" sz="2646"/>
+              <a:rPr lang="en-US" altLang="en-US" sz="2646" dirty="0"/>
               <a:t>Use a semaphore for each chopstick</a:t>
             </a:r>
           </a:p>
           <a:p>
             <a:r>
-              <a:rPr lang="en-US" altLang="en-US" sz="2646"/>
+              <a:rPr lang="en-US" altLang="en-US" sz="2646" dirty="0"/>
               <a:t>A hungry philosopher</a:t>
             </a:r>
           </a:p>
           <a:p>
             <a:pPr lvl="1"/>
             <a:r>
-              <a:rPr lang="en-US" altLang="en-US" sz="2205"/>
-              <a:t>Gets the chopstick to his right</a:t>
-            </a:r>
-          </a:p>
-          <a:p>
-            <a:pPr lvl="1"/>
-            <a:r>
-              <a:rPr lang="en-US" altLang="en-US" sz="2205"/>
+              <a:rPr lang="en-US" altLang="en-US" sz="2205" dirty="0"/>
               <a:t>Gets the chopstick to his left</a:t>
             </a:r>
           </a:p>
           <a:p>
             <a:pPr lvl="1"/>
             <a:r>
+              <a:rPr lang="en-US" altLang="en-US" sz="2205" dirty="0"/>
+              <a:t>Gets the chopstick to </a:t>
+            </a:r>
+            <a:r>
               <a:rPr lang="en-US" altLang="en-US" sz="2205"/>
+              <a:t>his right</a:t>
+            </a:r>
+            <a:endParaRPr lang="en-US" altLang="en-US" sz="2205" dirty="0"/>
+          </a:p>
+          <a:p>
+            <a:pPr lvl="1"/>
+            <a:r>
+              <a:rPr lang="en-US" altLang="en-US" sz="2205" dirty="0"/>
               <a:t>Eats</a:t>
             </a:r>
           </a:p>
           <a:p>
             <a:pPr lvl="1"/>
             <a:r>
-              <a:rPr lang="en-US" altLang="en-US" sz="2205"/>
+              <a:rPr lang="en-US" altLang="en-US" sz="2205" dirty="0"/>
               <a:t>Puts down the chopsticks</a:t>
             </a:r>
           </a:p>
           <a:p>
             <a:r>
-              <a:rPr lang="en-US" altLang="en-US" sz="2646"/>
+              <a:rPr lang="en-US" altLang="en-US" sz="2646" dirty="0"/>
               <a:t>Potential problems?</a:t>
             </a:r>
           </a:p>
           <a:p>
             <a:pPr lvl="1"/>
             <a:r>
-              <a:rPr lang="en-US" altLang="en-US" sz="2205"/>
+              <a:rPr lang="en-US" altLang="en-US" sz="2205" dirty="0"/>
               <a:t>Deadlock</a:t>
             </a:r>
           </a:p>
           <a:p>
             <a:pPr lvl="1"/>
             <a:r>
-              <a:rPr lang="en-US" altLang="en-US" sz="2205"/>
+              <a:rPr lang="en-US" altLang="en-US" sz="2205" dirty="0"/>
               <a:t>Fairness</a:t>
             </a:r>
           </a:p>
